--- a/FitoControl.pptx
+++ b/FitoControl.pptx
@@ -5988,7 +5988,7 @@
         </p:blipFill>
         <p:spPr>
           <a:xfrm>
-            <a:off x="4550372" y="1347907"/>
+            <a:off x="4533012" y="1273974"/>
             <a:ext cx="2814642" cy="2008503"/>
           </a:xfrm>
           <a:prstGeom prst="rect">
@@ -6063,7 +6063,7 @@
         </p:nvSpPr>
         <p:spPr>
           <a:xfrm>
-            <a:off x="359107" y="982960"/>
+            <a:off x="359107" y="925242"/>
             <a:ext cx="10272713" cy="57170"/>
           </a:xfrm>
           <a:prstGeom prst="rect">
@@ -6155,7 +6155,7 @@
         </p:nvSpPr>
         <p:spPr>
           <a:xfrm>
-            <a:off x="482400" y="482400"/>
+            <a:off x="543423" y="396172"/>
             <a:ext cx="3674821" cy="584775"/>
           </a:xfrm>
           <a:prstGeom prst="rect">
@@ -6350,7 +6350,7 @@
         </p:blipFill>
         <p:spPr>
           <a:xfrm>
-            <a:off x="3546858" y="3643372"/>
+            <a:off x="3590777" y="3652091"/>
             <a:ext cx="2789206" cy="1526759"/>
           </a:xfrm>
           <a:prstGeom prst="rect">
@@ -6449,7 +6449,7 @@
         </p:nvSpPr>
         <p:spPr>
           <a:xfrm>
-            <a:off x="3707266" y="3280292"/>
+            <a:off x="3753709" y="3326956"/>
             <a:ext cx="1178528" cy="307777"/>
           </a:xfrm>
           <a:prstGeom prst="rect">
@@ -6535,7 +6535,7 @@
         </p:nvSpPr>
         <p:spPr>
           <a:xfrm>
-            <a:off x="288362" y="2805699"/>
+            <a:off x="310224" y="2913368"/>
             <a:ext cx="1707519" cy="307777"/>
           </a:xfrm>
           <a:prstGeom prst="rect">
@@ -6549,7 +6549,7 @@
           <a:lstStyle/>
           <a:p>
             <a:r>
-              <a:rPr lang="es-ES" sz="1400" b="1" dirty="0" err="1" smtClean="0">
+              <a:rPr lang="es-ES" sz="1400" b="1" dirty="0" smtClean="0">
                 <a:latin typeface="Arial" panose="020B0604020202020204" pitchFamily="34" charset="0"/>
                 <a:cs typeface="Arial" panose="020B0604020202020204" pitchFamily="34" charset="0"/>
               </a:rPr>
@@ -6570,7 +6570,7 @@
         </p:nvSpPr>
         <p:spPr>
           <a:xfrm>
-            <a:off x="359107" y="5221096"/>
+            <a:off x="359107" y="5333611"/>
             <a:ext cx="2966435" cy="646331"/>
           </a:xfrm>
           <a:prstGeom prst="rect">
@@ -6679,7 +6679,7 @@
         </p:blipFill>
         <p:spPr>
           <a:xfrm>
-            <a:off x="278912" y="3161550"/>
+            <a:off x="262882" y="3229849"/>
             <a:ext cx="2690462" cy="2035462"/>
           </a:xfrm>
           <a:prstGeom prst="rect">
@@ -6703,7 +6703,7 @@
         </p:blipFill>
         <p:spPr>
           <a:xfrm>
-            <a:off x="1721031" y="1488269"/>
+            <a:off x="1741261" y="1451661"/>
             <a:ext cx="2000746" cy="1415162"/>
           </a:xfrm>
           <a:prstGeom prst="rect">
@@ -8667,6 +8667,29 @@
           <a:chExt cx="0" cy="0"/>
         </a:xfrm>
       </p:grpSpPr>
+      <p:pic>
+        <p:nvPicPr>
+          <p:cNvPr id="2" name="Imagen 1"/>
+          <p:cNvPicPr>
+            <a:picLocks noChangeAspect="1"/>
+          </p:cNvPicPr>
+          <p:nvPr/>
+        </p:nvPicPr>
+        <p:blipFill rotWithShape="1">
+          <a:blip r:embed="rId2"/>
+          <a:srcRect b="11861"/>
+          <a:stretch/>
+        </p:blipFill>
+        <p:spPr>
+          <a:xfrm>
+            <a:off x="5106074" y="1404676"/>
+            <a:ext cx="5305942" cy="4204563"/>
+          </a:xfrm>
+          <a:prstGeom prst="rect">
+            <a:avLst/>
+          </a:prstGeom>
+        </p:spPr>
+      </p:pic>
       <p:sp>
         <p:nvSpPr>
           <p:cNvPr id="9" name="Marcador de pie de página 8"/>
@@ -8915,30 +8938,6 @@
           </a:p>
         </p:txBody>
       </p:sp>
-      <p:pic>
-        <p:nvPicPr>
-          <p:cNvPr id="5" name="Imagen 4"/>
-          <p:cNvPicPr>
-            <a:picLocks noChangeAspect="1"/>
-          </p:cNvPicPr>
-          <p:nvPr/>
-        </p:nvPicPr>
-        <p:blipFill>
-          <a:blip r:embed="rId2"/>
-          <a:stretch>
-            <a:fillRect/>
-          </a:stretch>
-        </p:blipFill>
-        <p:spPr>
-          <a:xfrm>
-            <a:off x="4963840" y="1292396"/>
-            <a:ext cx="5294787" cy="4277399"/>
-          </a:xfrm>
-          <a:prstGeom prst="rect">
-            <a:avLst/>
-          </a:prstGeom>
-        </p:spPr>
-      </p:pic>
       <p:sp>
         <p:nvSpPr>
           <p:cNvPr id="6" name="Rectángulo 5">
@@ -8949,7 +8948,7 @@
         </p:nvSpPr>
         <p:spPr>
           <a:xfrm>
-            <a:off x="364442" y="3438695"/>
+            <a:off x="482400" y="3269418"/>
             <a:ext cx="4906895" cy="338554"/>
           </a:xfrm>
           <a:prstGeom prst="rect">
@@ -10326,6 +10325,9 @@
           </a:bodyPr>
           <a:lstStyle/>
           <a:p>
+            <a:pPr marL="0" indent="0">
+              <a:buNone/>
+            </a:pPr>
             <a:r>
               <a:rPr lang="es-ES" sz="1600" b="1" dirty="0">
                 <a:latin typeface="Arial" panose="020B0604020202020204" pitchFamily="34" charset="0"/>
@@ -10340,12 +10342,20 @@
               </a:rPr>
               <a:t>.</a:t>
             </a:r>
+          </a:p>
+          <a:p>
+            <a:pPr marL="0" indent="0">
+              <a:buNone/>
+            </a:pPr>
             <a:endParaRPr lang="es-ES" sz="1600" b="1" dirty="0">
               <a:latin typeface="Arial" panose="020B0604020202020204" pitchFamily="34" charset="0"/>
               <a:cs typeface="Arial" panose="020B0604020202020204" pitchFamily="34" charset="0"/>
             </a:endParaRPr>
           </a:p>
           <a:p>
+            <a:pPr marL="0" indent="0">
+              <a:buNone/>
+            </a:pPr>
             <a:r>
               <a:rPr lang="es-ES" sz="1600" b="1" dirty="0">
                 <a:latin typeface="Arial" panose="020B0604020202020204" pitchFamily="34" charset="0"/>
@@ -10355,7 +10365,10 @@
             </a:r>
           </a:p>
           <a:p>
-            <a:pPr lvl="0"/>
+            <a:pPr>
+              <a:buFont typeface="Wingdings" panose="05000000000000000000" pitchFamily="2" charset="2"/>
+              <a:buChar char="Ø"/>
+            </a:pPr>
             <a:r>
               <a:rPr lang="es-ES" sz="1600" b="1" dirty="0">
                 <a:latin typeface="Arial" panose="020B0604020202020204" pitchFamily="34" charset="0"/>
@@ -10365,7 +10378,10 @@
             </a:r>
           </a:p>
           <a:p>
-            <a:pPr lvl="0"/>
+            <a:pPr lvl="0">
+              <a:buFont typeface="Wingdings" panose="05000000000000000000" pitchFamily="2" charset="2"/>
+              <a:buChar char="Ø"/>
+            </a:pPr>
             <a:r>
               <a:rPr lang="es-ES" sz="1600" b="1" dirty="0">
                 <a:latin typeface="Arial" panose="020B0604020202020204" pitchFamily="34" charset="0"/>
@@ -10375,7 +10391,10 @@
             </a:r>
           </a:p>
           <a:p>
-            <a:pPr lvl="0"/>
+            <a:pPr lvl="0">
+              <a:buFont typeface="Wingdings" panose="05000000000000000000" pitchFamily="2" charset="2"/>
+              <a:buChar char="Ø"/>
+            </a:pPr>
             <a:r>
               <a:rPr lang="es-ES" sz="1600" b="1" dirty="0">
                 <a:latin typeface="Arial" panose="020B0604020202020204" pitchFamily="34" charset="0"/>
@@ -10385,7 +10404,10 @@
             </a:r>
           </a:p>
           <a:p>
-            <a:pPr lvl="0"/>
+            <a:pPr lvl="0">
+              <a:buFont typeface="Wingdings" panose="05000000000000000000" pitchFamily="2" charset="2"/>
+              <a:buChar char="Ø"/>
+            </a:pPr>
             <a:r>
               <a:rPr lang="es-ES" sz="1600" b="1" dirty="0">
                 <a:latin typeface="Arial" panose="020B0604020202020204" pitchFamily="34" charset="0"/>
@@ -10395,7 +10417,10 @@
             </a:r>
           </a:p>
           <a:p>
-            <a:pPr lvl="0"/>
+            <a:pPr lvl="0">
+              <a:buFont typeface="Wingdings" panose="05000000000000000000" pitchFamily="2" charset="2"/>
+              <a:buChar char="Ø"/>
+            </a:pPr>
             <a:r>
               <a:rPr lang="es-ES" sz="1600" b="1" dirty="0">
                 <a:latin typeface="Arial" panose="020B0604020202020204" pitchFamily="34" charset="0"/>
@@ -10405,7 +10430,10 @@
             </a:r>
           </a:p>
           <a:p>
-            <a:pPr lvl="0"/>
+            <a:pPr lvl="0">
+              <a:buFont typeface="Wingdings" panose="05000000000000000000" pitchFamily="2" charset="2"/>
+              <a:buChar char="Ø"/>
+            </a:pPr>
             <a:r>
               <a:rPr lang="es-ES" sz="1600" b="1" dirty="0">
                 <a:latin typeface="Arial" panose="020B0604020202020204" pitchFamily="34" charset="0"/>
@@ -18342,7 +18370,7 @@
       </p:pic>
       <p:pic>
         <p:nvPicPr>
-          <p:cNvPr id="25" name="Imagen 24"/>
+          <p:cNvPr id="27" name="Imagen 26"/>
           <p:cNvPicPr>
             <a:picLocks noChangeAspect="1"/>
           </p:cNvPicPr>
@@ -18350,13 +18378,13 @@
         </p:nvPicPr>
         <p:blipFill rotWithShape="1">
           <a:blip r:embed="rId8"/>
-          <a:srcRect t="12522" r="3570"/>
+          <a:srcRect t="15775" b="2826"/>
           <a:stretch/>
         </p:blipFill>
         <p:spPr>
           <a:xfrm>
-            <a:off x="9002965" y="1861751"/>
-            <a:ext cx="1841713" cy="1101570"/>
+            <a:off x="8646791" y="4836092"/>
+            <a:ext cx="1978815" cy="808542"/>
           </a:xfrm>
           <a:prstGeom prst="rect">
             <a:avLst/>
@@ -18370,16 +18398,46 @@
           </a:effectLst>
         </p:spPr>
       </p:pic>
-      <p:sp>
-        <p:nvSpPr>
-          <p:cNvPr id="34" name="Flecha derecha 33"/>
+      <p:pic>
+        <p:nvPicPr>
+          <p:cNvPr id="28" name="Imagen 27"/>
+          <p:cNvPicPr>
+            <a:picLocks noChangeAspect="1"/>
+          </p:cNvPicPr>
+          <p:nvPr/>
+        </p:nvPicPr>
+        <p:blipFill rotWithShape="1">
+          <a:blip r:embed="rId9"/>
+          <a:srcRect t="7159" b="1"/>
+          <a:stretch/>
+        </p:blipFill>
+        <p:spPr>
+          <a:xfrm>
+            <a:off x="5744404" y="3384355"/>
+            <a:ext cx="2280888" cy="2456917"/>
+          </a:xfrm>
+          <a:prstGeom prst="rect">
+            <a:avLst/>
+          </a:prstGeom>
+          <a:effectLst>
+            <a:innerShdw blurRad="63500" dist="50800" dir="13500000">
+              <a:prstClr val="black">
+                <a:alpha val="50000"/>
+              </a:prstClr>
+            </a:innerShdw>
+          </a:effectLst>
+        </p:spPr>
+      </p:pic>
+      <p:sp>
+        <p:nvSpPr>
+          <p:cNvPr id="40" name="Flecha derecha 39"/>
           <p:cNvSpPr/>
           <p:nvPr/>
         </p:nvSpPr>
         <p:spPr>
-          <a:xfrm rot="7359776">
-            <a:off x="10215609" y="3029638"/>
-            <a:ext cx="435671" cy="126517"/>
+          <a:xfrm rot="20196792">
+            <a:off x="5012127" y="4563009"/>
+            <a:ext cx="902429" cy="107496"/>
           </a:xfrm>
           <a:prstGeom prst="rightArrow">
             <a:avLst/>
@@ -18418,6 +18476,37 @@
           </a:p>
         </p:txBody>
       </p:sp>
+      <p:pic>
+        <p:nvPicPr>
+          <p:cNvPr id="2" name="Imagen 1"/>
+          <p:cNvPicPr>
+            <a:picLocks noChangeAspect="1"/>
+          </p:cNvPicPr>
+          <p:nvPr/>
+        </p:nvPicPr>
+        <p:blipFill>
+          <a:blip r:embed="rId10"/>
+          <a:stretch>
+            <a:fillRect/>
+          </a:stretch>
+        </p:blipFill>
+        <p:spPr>
+          <a:xfrm>
+            <a:off x="8949155" y="1791645"/>
+            <a:ext cx="1898415" cy="1246205"/>
+          </a:xfrm>
+          <a:prstGeom prst="rect">
+            <a:avLst/>
+          </a:prstGeom>
+          <a:effectLst>
+            <a:innerShdw blurRad="63500" dist="50800" dir="13500000">
+              <a:prstClr val="black">
+                <a:alpha val="50000"/>
+              </a:prstClr>
+            </a:innerShdw>
+          </a:effectLst>
+        </p:spPr>
+      </p:pic>
       <p:sp>
         <p:nvSpPr>
           <p:cNvPr id="36" name="Flecha derecha 35"/>
@@ -18466,76 +18555,16 @@
           </a:p>
         </p:txBody>
       </p:sp>
-      <p:pic>
-        <p:nvPicPr>
-          <p:cNvPr id="27" name="Imagen 26"/>
-          <p:cNvPicPr>
-            <a:picLocks noChangeAspect="1"/>
-          </p:cNvPicPr>
-          <p:nvPr/>
-        </p:nvPicPr>
-        <p:blipFill rotWithShape="1">
-          <a:blip r:embed="rId9"/>
-          <a:srcRect t="15775" b="2826"/>
-          <a:stretch/>
-        </p:blipFill>
-        <p:spPr>
-          <a:xfrm>
-            <a:off x="8646791" y="4836092"/>
-            <a:ext cx="1978815" cy="808542"/>
-          </a:xfrm>
-          <a:prstGeom prst="rect">
-            <a:avLst/>
-          </a:prstGeom>
-          <a:effectLst>
-            <a:innerShdw blurRad="63500" dist="50800" dir="13500000">
-              <a:prstClr val="black">
-                <a:alpha val="50000"/>
-              </a:prstClr>
-            </a:innerShdw>
-          </a:effectLst>
-        </p:spPr>
-      </p:pic>
-      <p:pic>
-        <p:nvPicPr>
-          <p:cNvPr id="28" name="Imagen 27"/>
-          <p:cNvPicPr>
-            <a:picLocks noChangeAspect="1"/>
-          </p:cNvPicPr>
-          <p:nvPr/>
-        </p:nvPicPr>
-        <p:blipFill rotWithShape="1">
-          <a:blip r:embed="rId10"/>
-          <a:srcRect t="7159" b="1"/>
-          <a:stretch/>
-        </p:blipFill>
-        <p:spPr>
-          <a:xfrm>
-            <a:off x="5744404" y="3384355"/>
-            <a:ext cx="2280888" cy="2456917"/>
-          </a:xfrm>
-          <a:prstGeom prst="rect">
-            <a:avLst/>
-          </a:prstGeom>
-          <a:effectLst>
-            <a:innerShdw blurRad="63500" dist="50800" dir="13500000">
-              <a:prstClr val="black">
-                <a:alpha val="50000"/>
-              </a:prstClr>
-            </a:innerShdw>
-          </a:effectLst>
-        </p:spPr>
-      </p:pic>
-      <p:sp>
-        <p:nvSpPr>
-          <p:cNvPr id="40" name="Flecha derecha 39"/>
+      <p:sp>
+        <p:nvSpPr>
+          <p:cNvPr id="34" name="Flecha derecha 33"/>
           <p:cNvSpPr/>
           <p:nvPr/>
         </p:nvSpPr>
         <p:spPr>
-          <a:xfrm rot="20196792">
-            <a:off x="5012127" y="4563009"/>
-            <a:ext cx="902429" cy="107496"/>
+          <a:xfrm rot="7359776">
+            <a:off x="10110401" y="3115797"/>
+            <a:ext cx="435671" cy="126517"/>
           </a:xfrm>
           <a:prstGeom prst="rightArrow">
             <a:avLst/>
